--- a/流程图设计.pptx
+++ b/流程图设计.pptx
@@ -10,6 +10,7 @@
     <p:sldId id="258" r:id="rId4"/>
     <p:sldId id="259" r:id="rId5"/>
     <p:sldId id="260" r:id="rId6"/>
+    <p:sldId id="261" r:id="rId7"/>
   </p:sldIdLst>
   <p:sldSz cx="12192000" cy="6858000"/>
   <p:notesSz cx="6858000" cy="9144000"/>
@@ -108,6 +109,11 @@
       </a:defRPr>
     </a:lvl9pPr>
   </p:defaultTextStyle>
+  <p:extLst>
+    <p:ext uri="{EFAFB233-063F-42B5-8137-9DF3F51BA10A}">
+      <p15:sldGuideLst xmlns:p15="http://schemas.microsoft.com/office/powerpoint/2012/main"/>
+    </p:ext>
+  </p:extLst>
 </p:presentation>
 </file>
 
@@ -242,7 +248,7 @@
           <a:p>
             <a:fld id="{0F650513-2BA2-439B-9278-F9C73C684B16}" type="datetimeFigureOut">
               <a:rPr lang="zh-CN" altLang="en-US" smtClean="0"/>
-              <a:t>2019/4/13</a:t>
+              <a:t>2019/5/11</a:t>
             </a:fld>
             <a:endParaRPr lang="zh-CN" altLang="en-US"/>
           </a:p>
@@ -412,7 +418,7 @@
           <a:p>
             <a:fld id="{0F650513-2BA2-439B-9278-F9C73C684B16}" type="datetimeFigureOut">
               <a:rPr lang="zh-CN" altLang="en-US" smtClean="0"/>
-              <a:t>2019/4/13</a:t>
+              <a:t>2019/5/11</a:t>
             </a:fld>
             <a:endParaRPr lang="zh-CN" altLang="en-US"/>
           </a:p>
@@ -592,7 +598,7 @@
           <a:p>
             <a:fld id="{0F650513-2BA2-439B-9278-F9C73C684B16}" type="datetimeFigureOut">
               <a:rPr lang="zh-CN" altLang="en-US" smtClean="0"/>
-              <a:t>2019/4/13</a:t>
+              <a:t>2019/5/11</a:t>
             </a:fld>
             <a:endParaRPr lang="zh-CN" altLang="en-US"/>
           </a:p>
@@ -762,7 +768,7 @@
           <a:p>
             <a:fld id="{0F650513-2BA2-439B-9278-F9C73C684B16}" type="datetimeFigureOut">
               <a:rPr lang="zh-CN" altLang="en-US" smtClean="0"/>
-              <a:t>2019/4/13</a:t>
+              <a:t>2019/5/11</a:t>
             </a:fld>
             <a:endParaRPr lang="zh-CN" altLang="en-US"/>
           </a:p>
@@ -1008,7 +1014,7 @@
           <a:p>
             <a:fld id="{0F650513-2BA2-439B-9278-F9C73C684B16}" type="datetimeFigureOut">
               <a:rPr lang="zh-CN" altLang="en-US" smtClean="0"/>
-              <a:t>2019/4/13</a:t>
+              <a:t>2019/5/11</a:t>
             </a:fld>
             <a:endParaRPr lang="zh-CN" altLang="en-US"/>
           </a:p>
@@ -1240,7 +1246,7 @@
           <a:p>
             <a:fld id="{0F650513-2BA2-439B-9278-F9C73C684B16}" type="datetimeFigureOut">
               <a:rPr lang="zh-CN" altLang="en-US" smtClean="0"/>
-              <a:t>2019/4/13</a:t>
+              <a:t>2019/5/11</a:t>
             </a:fld>
             <a:endParaRPr lang="zh-CN" altLang="en-US"/>
           </a:p>
@@ -1607,7 +1613,7 @@
           <a:p>
             <a:fld id="{0F650513-2BA2-439B-9278-F9C73C684B16}" type="datetimeFigureOut">
               <a:rPr lang="zh-CN" altLang="en-US" smtClean="0"/>
-              <a:t>2019/4/13</a:t>
+              <a:t>2019/5/11</a:t>
             </a:fld>
             <a:endParaRPr lang="zh-CN" altLang="en-US"/>
           </a:p>
@@ -1725,7 +1731,7 @@
           <a:p>
             <a:fld id="{0F650513-2BA2-439B-9278-F9C73C684B16}" type="datetimeFigureOut">
               <a:rPr lang="zh-CN" altLang="en-US" smtClean="0"/>
-              <a:t>2019/4/13</a:t>
+              <a:t>2019/5/11</a:t>
             </a:fld>
             <a:endParaRPr lang="zh-CN" altLang="en-US"/>
           </a:p>
@@ -1820,7 +1826,7 @@
           <a:p>
             <a:fld id="{0F650513-2BA2-439B-9278-F9C73C684B16}" type="datetimeFigureOut">
               <a:rPr lang="zh-CN" altLang="en-US" smtClean="0"/>
-              <a:t>2019/4/13</a:t>
+              <a:t>2019/5/11</a:t>
             </a:fld>
             <a:endParaRPr lang="zh-CN" altLang="en-US"/>
           </a:p>
@@ -2097,7 +2103,7 @@
           <a:p>
             <a:fld id="{0F650513-2BA2-439B-9278-F9C73C684B16}" type="datetimeFigureOut">
               <a:rPr lang="zh-CN" altLang="en-US" smtClean="0"/>
-              <a:t>2019/4/13</a:t>
+              <a:t>2019/5/11</a:t>
             </a:fld>
             <a:endParaRPr lang="zh-CN" altLang="en-US"/>
           </a:p>
@@ -2350,7 +2356,7 @@
           <a:p>
             <a:fld id="{0F650513-2BA2-439B-9278-F9C73C684B16}" type="datetimeFigureOut">
               <a:rPr lang="zh-CN" altLang="en-US" smtClean="0"/>
-              <a:t>2019/4/13</a:t>
+              <a:t>2019/5/11</a:t>
             </a:fld>
             <a:endParaRPr lang="zh-CN" altLang="en-US"/>
           </a:p>
@@ -2563,7 +2569,7 @@
           <a:p>
             <a:fld id="{0F650513-2BA2-439B-9278-F9C73C684B16}" type="datetimeFigureOut">
               <a:rPr lang="zh-CN" altLang="en-US" smtClean="0"/>
-              <a:t>2019/4/13</a:t>
+              <a:t>2019/5/11</a:t>
             </a:fld>
             <a:endParaRPr lang="zh-CN" altLang="en-US"/>
           </a:p>
@@ -8280,6 +8286,633 @@
 </p:sld>
 </file>
 
+<file path=ppt/slides/slide6.xml><?xml version="1.0" encoding="utf-8"?>
+<p:sld xmlns:a="http://schemas.openxmlformats.org/drawingml/2006/main" xmlns:r="http://schemas.openxmlformats.org/officeDocument/2006/relationships" xmlns:p="http://schemas.openxmlformats.org/presentationml/2006/main">
+  <p:cSld>
+    <p:spTree>
+      <p:nvGrpSpPr>
+        <p:cNvPr id="1" name=""/>
+        <p:cNvGrpSpPr/>
+        <p:nvPr/>
+      </p:nvGrpSpPr>
+      <p:grpSpPr>
+        <a:xfrm>
+          <a:off x="0" y="0"/>
+          <a:ext cx="0" cy="0"/>
+          <a:chOff x="0" y="0"/>
+          <a:chExt cx="0" cy="0"/>
+        </a:xfrm>
+      </p:grpSpPr>
+      <p:sp>
+        <p:nvSpPr>
+          <p:cNvPr id="7" name="矩形 6"/>
+          <p:cNvSpPr/>
+          <p:nvPr/>
+        </p:nvSpPr>
+        <p:spPr>
+          <a:xfrm>
+            <a:off x="2438399" y="3945965"/>
+            <a:ext cx="2061558" cy="587433"/>
+          </a:xfrm>
+          <a:prstGeom prst="rect">
+            <a:avLst/>
+          </a:prstGeom>
+        </p:spPr>
+        <p:style>
+          <a:lnRef idx="1">
+            <a:schemeClr val="accent1"/>
+          </a:lnRef>
+          <a:fillRef idx="2">
+            <a:schemeClr val="accent1"/>
+          </a:fillRef>
+          <a:effectRef idx="1">
+            <a:schemeClr val="accent1"/>
+          </a:effectRef>
+          <a:fontRef idx="minor">
+            <a:schemeClr val="dk1"/>
+          </a:fontRef>
+        </p:style>
+        <p:txBody>
+          <a:bodyPr rtlCol="0" anchor="ctr"/>
+          <a:lstStyle/>
+          <a:p>
+            <a:pPr algn="ctr"/>
+            <a:endParaRPr lang="zh-CN" altLang="en-US"/>
+          </a:p>
+        </p:txBody>
+      </p:sp>
+      <p:grpSp>
+        <p:nvGrpSpPr>
+          <p:cNvPr id="25" name="组合 24"/>
+          <p:cNvGrpSpPr/>
+          <p:nvPr/>
+        </p:nvGrpSpPr>
+        <p:grpSpPr>
+          <a:xfrm>
+            <a:off x="6350923" y="1064562"/>
+            <a:ext cx="5253645" cy="4506141"/>
+            <a:chOff x="6350923" y="1064562"/>
+            <a:chExt cx="5253645" cy="4506141"/>
+          </a:xfrm>
+        </p:grpSpPr>
+        <p:sp>
+          <p:nvSpPr>
+            <p:cNvPr id="2" name="菱形 1"/>
+            <p:cNvSpPr/>
+            <p:nvPr/>
+          </p:nvSpPr>
+          <p:spPr>
+            <a:xfrm>
+              <a:off x="6373089" y="2072637"/>
+              <a:ext cx="2770909" cy="1668090"/>
+            </a:xfrm>
+            <a:prstGeom prst="diamond">
+              <a:avLst/>
+            </a:prstGeom>
+          </p:spPr>
+          <p:style>
+            <a:lnRef idx="1">
+              <a:schemeClr val="accent1"/>
+            </a:lnRef>
+            <a:fillRef idx="2">
+              <a:schemeClr val="accent1"/>
+            </a:fillRef>
+            <a:effectRef idx="1">
+              <a:schemeClr val="accent1"/>
+            </a:effectRef>
+            <a:fontRef idx="minor">
+              <a:schemeClr val="dk1"/>
+            </a:fontRef>
+          </p:style>
+          <p:txBody>
+            <a:bodyPr rtlCol="0" anchor="ctr"/>
+            <a:lstStyle/>
+            <a:p>
+              <a:pPr algn="ctr"/>
+              <a:r>
+                <a:rPr lang="zh-CN" altLang="en-US" dirty="0" smtClean="0"/>
+                <a:t>输入数量和是否合理，选择路径是否可用</a:t>
+              </a:r>
+              <a:endParaRPr lang="zh-CN" altLang="en-US" dirty="0"/>
+            </a:p>
+          </p:txBody>
+        </p:sp>
+        <p:cxnSp>
+          <p:nvCxnSpPr>
+            <p:cNvPr id="3" name="肘形连接符 2"/>
+            <p:cNvCxnSpPr>
+              <a:stCxn id="2" idx="3"/>
+              <a:endCxn id="6" idx="2"/>
+            </p:cNvCxnSpPr>
+            <p:nvPr/>
+          </p:nvCxnSpPr>
+          <p:spPr>
+            <a:xfrm flipV="1">
+              <a:off x="9143998" y="2250512"/>
+              <a:ext cx="1429791" cy="656170"/>
+            </a:xfrm>
+            <a:prstGeom prst="bentConnector2">
+              <a:avLst/>
+            </a:prstGeom>
+            <a:ln>
+              <a:tailEnd type="triangle"/>
+            </a:ln>
+          </p:spPr>
+          <p:style>
+            <a:lnRef idx="1">
+              <a:schemeClr val="accent1"/>
+            </a:lnRef>
+            <a:fillRef idx="2">
+              <a:schemeClr val="accent1"/>
+            </a:fillRef>
+            <a:effectRef idx="1">
+              <a:schemeClr val="accent1"/>
+            </a:effectRef>
+            <a:fontRef idx="minor">
+              <a:schemeClr val="dk1"/>
+            </a:fontRef>
+          </p:style>
+        </p:cxnSp>
+        <p:sp>
+          <p:nvSpPr>
+            <p:cNvPr id="4" name="流程图: 数据 3"/>
+            <p:cNvSpPr/>
+            <p:nvPr/>
+          </p:nvSpPr>
+          <p:spPr>
+            <a:xfrm>
+              <a:off x="6350923" y="1064562"/>
+              <a:ext cx="2815245" cy="598517"/>
+            </a:xfrm>
+            <a:prstGeom prst="flowChartInputOutput">
+              <a:avLst/>
+            </a:prstGeom>
+          </p:spPr>
+          <p:style>
+            <a:lnRef idx="1">
+              <a:schemeClr val="accent1"/>
+            </a:lnRef>
+            <a:fillRef idx="2">
+              <a:schemeClr val="accent1"/>
+            </a:fillRef>
+            <a:effectRef idx="1">
+              <a:schemeClr val="accent1"/>
+            </a:effectRef>
+            <a:fontRef idx="minor">
+              <a:schemeClr val="dk1"/>
+            </a:fontRef>
+          </p:style>
+          <p:txBody>
+            <a:bodyPr rtlCol="0" anchor="ctr"/>
+            <a:lstStyle/>
+            <a:p>
+              <a:pPr algn="ctr"/>
+              <a:r>
+                <a:rPr lang="zh-CN" altLang="en-US" dirty="0" smtClean="0"/>
+                <a:t>输入关键词</a:t>
+              </a:r>
+              <a:r>
+                <a:rPr lang="zh-CN" altLang="en-US" dirty="0" smtClean="0"/>
+                <a:t>，图片需求数量</a:t>
+              </a:r>
+            </a:p>
+          </p:txBody>
+        </p:sp>
+        <p:cxnSp>
+          <p:nvCxnSpPr>
+            <p:cNvPr id="5" name="直接箭头连接符 4"/>
+            <p:cNvCxnSpPr>
+              <a:stCxn id="4" idx="4"/>
+              <a:endCxn id="2" idx="0"/>
+            </p:cNvCxnSpPr>
+            <p:nvPr/>
+          </p:nvCxnSpPr>
+          <p:spPr>
+            <a:xfrm flipH="1">
+              <a:off x="7758544" y="1663079"/>
+              <a:ext cx="2" cy="409558"/>
+            </a:xfrm>
+            <a:prstGeom prst="straightConnector1">
+              <a:avLst/>
+            </a:prstGeom>
+            <a:ln>
+              <a:tailEnd type="triangle"/>
+            </a:ln>
+          </p:spPr>
+          <p:style>
+            <a:lnRef idx="1">
+              <a:schemeClr val="accent1"/>
+            </a:lnRef>
+            <a:fillRef idx="2">
+              <a:schemeClr val="accent1"/>
+            </a:fillRef>
+            <a:effectRef idx="1">
+              <a:schemeClr val="accent1"/>
+            </a:effectRef>
+            <a:fontRef idx="minor">
+              <a:schemeClr val="dk1"/>
+            </a:fontRef>
+          </p:style>
+        </p:cxnSp>
+        <p:sp>
+          <p:nvSpPr>
+            <p:cNvPr id="6" name="矩形 5"/>
+            <p:cNvSpPr/>
+            <p:nvPr/>
+          </p:nvSpPr>
+          <p:spPr>
+            <a:xfrm>
+              <a:off x="9543010" y="1663079"/>
+              <a:ext cx="2061558" cy="587433"/>
+            </a:xfrm>
+            <a:prstGeom prst="rect">
+              <a:avLst/>
+            </a:prstGeom>
+          </p:spPr>
+          <p:style>
+            <a:lnRef idx="1">
+              <a:schemeClr val="accent1"/>
+            </a:lnRef>
+            <a:fillRef idx="2">
+              <a:schemeClr val="accent1"/>
+            </a:fillRef>
+            <a:effectRef idx="1">
+              <a:schemeClr val="accent1"/>
+            </a:effectRef>
+            <a:fontRef idx="minor">
+              <a:schemeClr val="dk1"/>
+            </a:fontRef>
+          </p:style>
+          <p:txBody>
+            <a:bodyPr rtlCol="0" anchor="ctr"/>
+            <a:lstStyle/>
+            <a:p>
+              <a:pPr algn="ctr"/>
+              <a:r>
+                <a:rPr lang="zh-CN" altLang="en-US" dirty="0" smtClean="0"/>
+                <a:t>提示错误和</a:t>
+              </a:r>
+              <a:endParaRPr lang="en-US" altLang="zh-CN" dirty="0" smtClean="0"/>
+            </a:p>
+            <a:p>
+              <a:pPr algn="ctr"/>
+              <a:r>
+                <a:rPr lang="zh-CN" altLang="en-US" dirty="0" smtClean="0"/>
+                <a:t>正确操作方法</a:t>
+              </a:r>
+              <a:endParaRPr lang="zh-CN" altLang="en-US" dirty="0"/>
+            </a:p>
+          </p:txBody>
+        </p:sp>
+        <p:sp>
+          <p:nvSpPr>
+            <p:cNvPr id="8" name="矩形 7"/>
+            <p:cNvSpPr/>
+            <p:nvPr/>
+          </p:nvSpPr>
+          <p:spPr>
+            <a:xfrm>
+              <a:off x="6727766" y="3966957"/>
+              <a:ext cx="2061558" cy="587433"/>
+            </a:xfrm>
+            <a:prstGeom prst="rect">
+              <a:avLst/>
+            </a:prstGeom>
+          </p:spPr>
+          <p:style>
+            <a:lnRef idx="1">
+              <a:schemeClr val="accent1"/>
+            </a:lnRef>
+            <a:fillRef idx="2">
+              <a:schemeClr val="accent1"/>
+            </a:fillRef>
+            <a:effectRef idx="1">
+              <a:schemeClr val="accent1"/>
+            </a:effectRef>
+            <a:fontRef idx="minor">
+              <a:schemeClr val="dk1"/>
+            </a:fontRef>
+          </p:style>
+          <p:txBody>
+            <a:bodyPr rtlCol="0" anchor="ctr"/>
+            <a:lstStyle/>
+            <a:p>
+              <a:pPr algn="ctr"/>
+              <a:r>
+                <a:rPr lang="zh-CN" altLang="en-US" dirty="0" smtClean="0"/>
+                <a:t>搜索关键词解析得到爬取页面的</a:t>
+              </a:r>
+              <a:r>
+                <a:rPr lang="en-US" altLang="zh-CN" dirty="0" err="1" smtClean="0"/>
+                <a:t>url</a:t>
+              </a:r>
+              <a:endParaRPr lang="zh-CN" altLang="en-US" dirty="0"/>
+            </a:p>
+          </p:txBody>
+        </p:sp>
+        <p:sp>
+          <p:nvSpPr>
+            <p:cNvPr id="9" name="文本框 8"/>
+            <p:cNvSpPr txBox="1"/>
+            <p:nvPr/>
+          </p:nvSpPr>
+          <p:spPr>
+            <a:xfrm>
+              <a:off x="9736975" y="2704406"/>
+              <a:ext cx="399010" cy="369332"/>
+            </a:xfrm>
+            <a:prstGeom prst="rect">
+              <a:avLst/>
+            </a:prstGeom>
+          </p:spPr>
+          <p:style>
+            <a:lnRef idx="1">
+              <a:schemeClr val="accent1"/>
+            </a:lnRef>
+            <a:fillRef idx="2">
+              <a:schemeClr val="accent1"/>
+            </a:fillRef>
+            <a:effectRef idx="1">
+              <a:schemeClr val="accent1"/>
+            </a:effectRef>
+            <a:fontRef idx="minor">
+              <a:schemeClr val="dk1"/>
+            </a:fontRef>
+          </p:style>
+          <p:txBody>
+            <a:bodyPr wrap="square" rtlCol="0">
+              <a:spAutoFit/>
+            </a:bodyPr>
+            <a:lstStyle/>
+            <a:p>
+              <a:r>
+                <a:rPr lang="zh-CN" altLang="en-US" dirty="0" smtClean="0"/>
+                <a:t>否</a:t>
+              </a:r>
+              <a:endParaRPr lang="zh-CN" altLang="en-US" dirty="0"/>
+            </a:p>
+          </p:txBody>
+        </p:sp>
+        <p:cxnSp>
+          <p:nvCxnSpPr>
+            <p:cNvPr id="10" name="肘形连接符 9"/>
+            <p:cNvCxnSpPr>
+              <a:stCxn id="6" idx="0"/>
+              <a:endCxn id="4" idx="5"/>
+            </p:cNvCxnSpPr>
+            <p:nvPr/>
+          </p:nvCxnSpPr>
+          <p:spPr>
+            <a:xfrm rot="16200000" flipV="1">
+              <a:off x="9579588" y="668877"/>
+              <a:ext cx="299258" cy="1689145"/>
+            </a:xfrm>
+            <a:prstGeom prst="bentConnector2">
+              <a:avLst/>
+            </a:prstGeom>
+            <a:ln>
+              <a:tailEnd type="triangle"/>
+            </a:ln>
+          </p:spPr>
+          <p:style>
+            <a:lnRef idx="1">
+              <a:schemeClr val="accent1"/>
+            </a:lnRef>
+            <a:fillRef idx="2">
+              <a:schemeClr val="accent1"/>
+            </a:fillRef>
+            <a:effectRef idx="1">
+              <a:schemeClr val="accent1"/>
+            </a:effectRef>
+            <a:fontRef idx="minor">
+              <a:schemeClr val="dk1"/>
+            </a:fontRef>
+          </p:style>
+        </p:cxnSp>
+        <p:cxnSp>
+          <p:nvCxnSpPr>
+            <p:cNvPr id="11" name="直接箭头连接符 10"/>
+            <p:cNvCxnSpPr>
+              <a:stCxn id="2" idx="2"/>
+              <a:endCxn id="8" idx="0"/>
+            </p:cNvCxnSpPr>
+            <p:nvPr/>
+          </p:nvCxnSpPr>
+          <p:spPr>
+            <a:xfrm>
+              <a:off x="7758544" y="3740727"/>
+              <a:ext cx="1" cy="226230"/>
+            </a:xfrm>
+            <a:prstGeom prst="straightConnector1">
+              <a:avLst/>
+            </a:prstGeom>
+            <a:ln>
+              <a:tailEnd type="triangle"/>
+            </a:ln>
+          </p:spPr>
+          <p:style>
+            <a:lnRef idx="1">
+              <a:schemeClr val="accent1"/>
+            </a:lnRef>
+            <a:fillRef idx="2">
+              <a:schemeClr val="accent1"/>
+            </a:fillRef>
+            <a:effectRef idx="1">
+              <a:schemeClr val="accent1"/>
+            </a:effectRef>
+            <a:fontRef idx="minor">
+              <a:schemeClr val="dk1"/>
+            </a:fontRef>
+          </p:style>
+        </p:cxnSp>
+        <p:sp>
+          <p:nvSpPr>
+            <p:cNvPr id="12" name="文本框 11"/>
+            <p:cNvSpPr txBox="1"/>
+            <p:nvPr/>
+          </p:nvSpPr>
+          <p:spPr>
+            <a:xfrm>
+              <a:off x="7930343" y="3623148"/>
+              <a:ext cx="399010" cy="369332"/>
+            </a:xfrm>
+            <a:prstGeom prst="rect">
+              <a:avLst/>
+            </a:prstGeom>
+          </p:spPr>
+          <p:style>
+            <a:lnRef idx="1">
+              <a:schemeClr val="accent1"/>
+            </a:lnRef>
+            <a:fillRef idx="2">
+              <a:schemeClr val="accent1"/>
+            </a:fillRef>
+            <a:effectRef idx="1">
+              <a:schemeClr val="accent1"/>
+            </a:effectRef>
+            <a:fontRef idx="minor">
+              <a:schemeClr val="dk1"/>
+            </a:fontRef>
+          </p:style>
+          <p:txBody>
+            <a:bodyPr wrap="square" rtlCol="0">
+              <a:spAutoFit/>
+            </a:bodyPr>
+            <a:lstStyle/>
+            <a:p>
+              <a:r>
+                <a:rPr lang="zh-CN" altLang="en-US" dirty="0" smtClean="0"/>
+                <a:t>是</a:t>
+              </a:r>
+              <a:endParaRPr lang="zh-CN" altLang="en-US" dirty="0"/>
+            </a:p>
+          </p:txBody>
+        </p:sp>
+        <p:cxnSp>
+          <p:nvCxnSpPr>
+            <p:cNvPr id="13" name="直接箭头连接符 12"/>
+            <p:cNvCxnSpPr>
+              <a:stCxn id="8" idx="2"/>
+              <a:endCxn id="14" idx="1"/>
+            </p:cNvCxnSpPr>
+            <p:nvPr/>
+          </p:nvCxnSpPr>
+          <p:spPr>
+            <a:xfrm>
+              <a:off x="7758545" y="4554390"/>
+              <a:ext cx="1" cy="417796"/>
+            </a:xfrm>
+            <a:prstGeom prst="straightConnector1">
+              <a:avLst/>
+            </a:prstGeom>
+            <a:ln>
+              <a:tailEnd type="triangle"/>
+            </a:ln>
+          </p:spPr>
+          <p:style>
+            <a:lnRef idx="1">
+              <a:schemeClr val="accent1"/>
+            </a:lnRef>
+            <a:fillRef idx="2">
+              <a:schemeClr val="accent1"/>
+            </a:fillRef>
+            <a:effectRef idx="1">
+              <a:schemeClr val="accent1"/>
+            </a:effectRef>
+            <a:fontRef idx="minor">
+              <a:schemeClr val="dk1"/>
+            </a:fontRef>
+          </p:style>
+        </p:cxnSp>
+        <p:sp>
+          <p:nvSpPr>
+            <p:cNvPr id="14" name="流程图: 数据 13"/>
+            <p:cNvSpPr/>
+            <p:nvPr/>
+          </p:nvSpPr>
+          <p:spPr>
+            <a:xfrm>
+              <a:off x="6350923" y="4972186"/>
+              <a:ext cx="2815245" cy="598517"/>
+            </a:xfrm>
+            <a:prstGeom prst="flowChartInputOutput">
+              <a:avLst/>
+            </a:prstGeom>
+          </p:spPr>
+          <p:style>
+            <a:lnRef idx="1">
+              <a:schemeClr val="accent1"/>
+            </a:lnRef>
+            <a:fillRef idx="2">
+              <a:schemeClr val="accent1"/>
+            </a:fillRef>
+            <a:effectRef idx="1">
+              <a:schemeClr val="accent1"/>
+            </a:effectRef>
+            <a:fontRef idx="minor">
+              <a:schemeClr val="dk1"/>
+            </a:fontRef>
+          </p:style>
+          <p:txBody>
+            <a:bodyPr rtlCol="0" anchor="ctr"/>
+            <a:lstStyle/>
+            <a:p>
+              <a:pPr algn="ctr"/>
+              <a:r>
+                <a:rPr lang="en-US" altLang="zh-CN" dirty="0" err="1" smtClean="0"/>
+                <a:t>url</a:t>
+              </a:r>
+              <a:r>
+                <a:rPr lang="zh-CN" altLang="en-US" dirty="0" smtClean="0"/>
+                <a:t>传给页面解析模块</a:t>
+              </a:r>
+              <a:endParaRPr lang="zh-CN" altLang="en-US" dirty="0" smtClean="0"/>
+            </a:p>
+          </p:txBody>
+        </p:sp>
+      </p:grpSp>
+      <p:sp>
+        <p:nvSpPr>
+          <p:cNvPr id="16" name="流程图: 数据 15"/>
+          <p:cNvSpPr/>
+          <p:nvPr/>
+        </p:nvSpPr>
+        <p:spPr>
+          <a:xfrm>
+            <a:off x="1172093" y="1064562"/>
+            <a:ext cx="2815245" cy="598517"/>
+          </a:xfrm>
+          <a:prstGeom prst="flowChartInputOutput">
+            <a:avLst/>
+          </a:prstGeom>
+        </p:spPr>
+        <p:style>
+          <a:lnRef idx="1">
+            <a:schemeClr val="accent1"/>
+          </a:lnRef>
+          <a:fillRef idx="2">
+            <a:schemeClr val="accent1"/>
+          </a:fillRef>
+          <a:effectRef idx="1">
+            <a:schemeClr val="accent1"/>
+          </a:effectRef>
+          <a:fontRef idx="minor">
+            <a:schemeClr val="dk1"/>
+          </a:fontRef>
+        </p:style>
+        <p:txBody>
+          <a:bodyPr rtlCol="0" anchor="ctr"/>
+          <a:lstStyle/>
+          <a:p>
+            <a:pPr algn="ctr"/>
+            <a:r>
+              <a:rPr lang="zh-CN" altLang="en-US" dirty="0" smtClean="0"/>
+              <a:t>输入关键词</a:t>
+            </a:r>
+            <a:r>
+              <a:rPr lang="zh-CN" altLang="en-US" dirty="0" smtClean="0"/>
+              <a:t>，</a:t>
+            </a:r>
+            <a:r>
+              <a:rPr lang="zh-CN" altLang="en-US" dirty="0" smtClean="0"/>
+              <a:t>图片需求数量</a:t>
+            </a:r>
+          </a:p>
+        </p:txBody>
+      </p:sp>
+    </p:spTree>
+    <p:extLst>
+      <p:ext uri="{BB962C8B-B14F-4D97-AF65-F5344CB8AC3E}">
+        <p14:creationId xmlns:p14="http://schemas.microsoft.com/office/powerpoint/2010/main" val="4188330584"/>
+      </p:ext>
+    </p:extLst>
+  </p:cSld>
+  <p:clrMapOvr>
+    <a:masterClrMapping/>
+  </p:clrMapOvr>
+</p:sld>
+</file>
+
 <file path=ppt/theme/theme1.xml><?xml version="1.0" encoding="utf-8"?>
 <a:theme xmlns:a="http://schemas.openxmlformats.org/drawingml/2006/main" name="Office 主题​​">
   <a:themeElements>
